--- a/DSI Project_3.pptx
+++ b/DSI Project_3.pptx
@@ -5,19 +5,21 @@
     <p:sldMasterId id="2147483648" r:id="rId1"/>
   </p:sldMasterIdLst>
   <p:notesMasterIdLst>
-    <p:notesMasterId r:id="rId12"/>
+    <p:notesMasterId r:id="rId14"/>
   </p:notesMasterIdLst>
   <p:sldIdLst>
     <p:sldId id="256" r:id="rId2"/>
-    <p:sldId id="257" r:id="rId3"/>
-    <p:sldId id="266" r:id="rId4"/>
-    <p:sldId id="272" r:id="rId5"/>
-    <p:sldId id="268" r:id="rId6"/>
-    <p:sldId id="267" r:id="rId7"/>
-    <p:sldId id="273" r:id="rId8"/>
-    <p:sldId id="274" r:id="rId9"/>
-    <p:sldId id="275" r:id="rId10"/>
-    <p:sldId id="265" r:id="rId11"/>
+    <p:sldId id="276" r:id="rId3"/>
+    <p:sldId id="257" r:id="rId4"/>
+    <p:sldId id="266" r:id="rId5"/>
+    <p:sldId id="272" r:id="rId6"/>
+    <p:sldId id="268" r:id="rId7"/>
+    <p:sldId id="277" r:id="rId8"/>
+    <p:sldId id="267" r:id="rId9"/>
+    <p:sldId id="273" r:id="rId10"/>
+    <p:sldId id="274" r:id="rId11"/>
+    <p:sldId id="275" r:id="rId12"/>
+    <p:sldId id="265" r:id="rId13"/>
   </p:sldIdLst>
   <p:sldSz cx="12192000" cy="6858000"/>
   <p:notesSz cx="6858000" cy="9144000"/>
@@ -3820,6 +3822,359 @@
           <p:cNvPr id="2" name="Title 1">
             <a:extLst>
               <a:ext uri="{FF2B5EF4-FFF2-40B4-BE49-F238E27FC236}">
+                <a16:creationId xmlns:a16="http://schemas.microsoft.com/office/drawing/2014/main" id="{5305CD0C-D92B-4B58-BB0B-62CC79E10902}"/>
+              </a:ext>
+            </a:extLst>
+          </p:cNvPr>
+          <p:cNvSpPr>
+            <a:spLocks noGrp="1"/>
+          </p:cNvSpPr>
+          <p:nvPr>
+            <p:ph type="title"/>
+          </p:nvPr>
+        </p:nvSpPr>
+        <p:spPr/>
+        <p:txBody>
+          <a:bodyPr/>
+          <a:lstStyle/>
+          <a:p>
+            <a:r>
+              <a:rPr lang="en-US" dirty="0"/>
+              <a:t>Voting Classifier</a:t>
+            </a:r>
+            <a:endParaRPr lang="en-SG" dirty="0"/>
+          </a:p>
+        </p:txBody>
+      </p:sp>
+      <p:sp>
+        <p:nvSpPr>
+          <p:cNvPr id="8" name="Content Placeholder 7">
+            <a:extLst>
+              <a:ext uri="{FF2B5EF4-FFF2-40B4-BE49-F238E27FC236}">
+                <a16:creationId xmlns:a16="http://schemas.microsoft.com/office/drawing/2014/main" id="{34D4ADD2-94CF-45E7-9C04-3AA2B8D4EAEB}"/>
+              </a:ext>
+            </a:extLst>
+          </p:cNvPr>
+          <p:cNvSpPr>
+            <a:spLocks noGrp="1"/>
+          </p:cNvSpPr>
+          <p:nvPr>
+            <p:ph idx="1"/>
+          </p:nvPr>
+        </p:nvSpPr>
+        <p:spPr/>
+        <p:txBody>
+          <a:bodyPr/>
+          <a:lstStyle/>
+          <a:p>
+            <a:r>
+              <a:rPr lang="en-US" dirty="0"/>
+              <a:t>Naive Bayes and Logistic Regression</a:t>
+            </a:r>
+          </a:p>
+          <a:p>
+            <a:r>
+              <a:rPr lang="en-US" dirty="0"/>
+              <a:t>Count Vectorizer Pipeline Optimization</a:t>
+            </a:r>
+          </a:p>
+          <a:p>
+            <a:r>
+              <a:rPr lang="en-US" dirty="0"/>
+              <a:t>Text Cleaning, Stemming</a:t>
+            </a:r>
+          </a:p>
+          <a:p>
+            <a:r>
+              <a:rPr lang="en-US" dirty="0"/>
+              <a:t>Baseline Score: 0.503</a:t>
+            </a:r>
+          </a:p>
+          <a:p>
+            <a:r>
+              <a:rPr lang="en-US" dirty="0"/>
+              <a:t>Training Score: 0.954</a:t>
+            </a:r>
+          </a:p>
+          <a:p>
+            <a:r>
+              <a:rPr lang="en-US" dirty="0"/>
+              <a:t>Test Score: 0.874</a:t>
+            </a:r>
+          </a:p>
+          <a:p>
+            <a:r>
+              <a:rPr lang="en-US" dirty="0"/>
+              <a:t>Comparable performance</a:t>
+            </a:r>
+            <a:endParaRPr lang="en-SG" dirty="0"/>
+          </a:p>
+        </p:txBody>
+      </p:sp>
+      <p:pic>
+        <p:nvPicPr>
+          <p:cNvPr id="3" name="Picture 2">
+            <a:extLst>
+              <a:ext uri="{FF2B5EF4-FFF2-40B4-BE49-F238E27FC236}">
+                <a16:creationId xmlns:a16="http://schemas.microsoft.com/office/drawing/2014/main" id="{E3A99EC2-6E30-4285-A96F-32829FD852F4}"/>
+              </a:ext>
+            </a:extLst>
+          </p:cNvPr>
+          <p:cNvPicPr>
+            <a:picLocks noChangeAspect="1"/>
+          </p:cNvPicPr>
+          <p:nvPr/>
+        </p:nvPicPr>
+        <p:blipFill>
+          <a:blip r:embed="rId2"/>
+          <a:stretch>
+            <a:fillRect/>
+          </a:stretch>
+        </p:blipFill>
+        <p:spPr>
+          <a:xfrm>
+            <a:off x="5444509" y="3355087"/>
+            <a:ext cx="5400000" cy="1292413"/>
+          </a:xfrm>
+          <a:prstGeom prst="rect">
+            <a:avLst/>
+          </a:prstGeom>
+        </p:spPr>
+      </p:pic>
+    </p:spTree>
+    <p:extLst>
+      <p:ext uri="{BB962C8B-B14F-4D97-AF65-F5344CB8AC3E}">
+        <p14:creationId xmlns:p14="http://schemas.microsoft.com/office/powerpoint/2010/main" val="1382778506"/>
+      </p:ext>
+    </p:extLst>
+  </p:cSld>
+  <p:clrMapOvr>
+    <a:masterClrMapping/>
+  </p:clrMapOvr>
+</p:sld>
+</file>
+
+<file path=ppt/slides/slide11.xml><?xml version="1.0" encoding="utf-8"?>
+<p:sld xmlns:a="http://schemas.openxmlformats.org/drawingml/2006/main" xmlns:r="http://schemas.openxmlformats.org/officeDocument/2006/relationships" xmlns:p="http://schemas.openxmlformats.org/presentationml/2006/main">
+  <p:cSld>
+    <p:spTree>
+      <p:nvGrpSpPr>
+        <p:cNvPr id="1" name=""/>
+        <p:cNvGrpSpPr/>
+        <p:nvPr/>
+      </p:nvGrpSpPr>
+      <p:grpSpPr>
+        <a:xfrm>
+          <a:off x="0" y="0"/>
+          <a:ext cx="0" cy="0"/>
+          <a:chOff x="0" y="0"/>
+          <a:chExt cx="0" cy="0"/>
+        </a:xfrm>
+      </p:grpSpPr>
+      <p:sp>
+        <p:nvSpPr>
+          <p:cNvPr id="2" name="Title 1">
+            <a:extLst>
+              <a:ext uri="{FF2B5EF4-FFF2-40B4-BE49-F238E27FC236}">
+                <a16:creationId xmlns:a16="http://schemas.microsoft.com/office/drawing/2014/main" id="{FEFAF810-A849-49AD-BB27-A0712189196F}"/>
+              </a:ext>
+            </a:extLst>
+          </p:cNvPr>
+          <p:cNvSpPr>
+            <a:spLocks noGrp="1"/>
+          </p:cNvSpPr>
+          <p:nvPr>
+            <p:ph type="title"/>
+          </p:nvPr>
+        </p:nvSpPr>
+        <p:spPr/>
+        <p:txBody>
+          <a:bodyPr/>
+          <a:lstStyle/>
+          <a:p>
+            <a:r>
+              <a:rPr lang="en-US" dirty="0"/>
+              <a:t>Top </a:t>
+            </a:r>
+            <a:r>
+              <a:rPr lang="en-SG" dirty="0"/>
+              <a:t>Naive Bayes </a:t>
+            </a:r>
+            <a:r>
+              <a:rPr lang="en-US" dirty="0"/>
+              <a:t>Features</a:t>
+            </a:r>
+            <a:endParaRPr lang="en-SG" dirty="0"/>
+          </a:p>
+        </p:txBody>
+      </p:sp>
+      <p:sp>
+        <p:nvSpPr>
+          <p:cNvPr id="3" name="Content Placeholder 2">
+            <a:extLst>
+              <a:ext uri="{FF2B5EF4-FFF2-40B4-BE49-F238E27FC236}">
+                <a16:creationId xmlns:a16="http://schemas.microsoft.com/office/drawing/2014/main" id="{4564DF95-6369-4BCE-8F74-B1B046681A37}"/>
+              </a:ext>
+            </a:extLst>
+          </p:cNvPr>
+          <p:cNvSpPr>
+            <a:spLocks noGrp="1"/>
+          </p:cNvSpPr>
+          <p:nvPr>
+            <p:ph idx="1"/>
+          </p:nvPr>
+        </p:nvSpPr>
+        <p:spPr/>
+        <p:txBody>
+          <a:bodyPr>
+            <a:normAutofit lnSpcReduction="10000"/>
+          </a:bodyPr>
+          <a:lstStyle/>
+          <a:p>
+            <a:pPr marL="0" indent="0">
+              <a:buNone/>
+            </a:pPr>
+            <a:r>
+              <a:rPr lang="en-US" sz="3600" dirty="0"/>
+              <a:t>FFVII Remake</a:t>
+            </a:r>
+          </a:p>
+          <a:p>
+            <a:r>
+              <a:rPr lang="en-US" u="sng" dirty="0"/>
+              <a:t>Features</a:t>
+            </a:r>
+            <a:r>
+              <a:rPr lang="en-US" dirty="0"/>
+              <a:t>. (‘ocean’, ‘canyon’, ‘emerald’) &amp; (‘</a:t>
+            </a:r>
+            <a:r>
+              <a:rPr lang="en-US" dirty="0" err="1"/>
+              <a:t>pari</a:t>
+            </a:r>
+            <a:r>
+              <a:rPr lang="en-US" dirty="0"/>
+              <a:t>’, ‘</a:t>
+            </a:r>
+            <a:r>
+              <a:rPr lang="en-US" dirty="0" err="1"/>
+              <a:t>taipei</a:t>
+            </a:r>
+            <a:r>
+              <a:rPr lang="en-US" dirty="0"/>
+              <a:t>’)</a:t>
+            </a:r>
+          </a:p>
+          <a:p>
+            <a:r>
+              <a:rPr lang="en-US" dirty="0"/>
+              <a:t>Suggest the community is ready and keen to interact with end-game content (Part 2 onwards)</a:t>
+            </a:r>
+          </a:p>
+          <a:p>
+            <a:r>
+              <a:rPr lang="en-US" dirty="0"/>
+              <a:t>Community localization interest with Paris and Taipei</a:t>
+            </a:r>
+          </a:p>
+          <a:p>
+            <a:pPr marL="0" indent="0">
+              <a:buNone/>
+            </a:pPr>
+            <a:endParaRPr lang="en-US" dirty="0"/>
+          </a:p>
+          <a:p>
+            <a:pPr marL="0" indent="0">
+              <a:buNone/>
+            </a:pPr>
+            <a:r>
+              <a:rPr lang="en-US" sz="3600" dirty="0"/>
+              <a:t>FFXV</a:t>
+            </a:r>
+          </a:p>
+          <a:p>
+            <a:r>
+              <a:rPr lang="en-US" u="sng" dirty="0"/>
+              <a:t>Features</a:t>
+            </a:r>
+            <a:r>
+              <a:rPr lang="en-US" dirty="0"/>
+              <a:t>. ‘</a:t>
+            </a:r>
+            <a:r>
+              <a:rPr lang="en-US" dirty="0" err="1"/>
+              <a:t>ryzen</a:t>
+            </a:r>
+            <a:r>
+              <a:rPr lang="en-US" dirty="0"/>
+              <a:t>’, ‘</a:t>
+            </a:r>
+            <a:r>
+              <a:rPr lang="en-US" dirty="0" err="1"/>
+              <a:t>rtx</a:t>
+            </a:r>
+            <a:r>
+              <a:rPr lang="en-US" dirty="0"/>
+              <a:t>’, ‘</a:t>
+            </a:r>
+            <a:r>
+              <a:rPr lang="en-US" dirty="0" err="1"/>
+              <a:t>gtx</a:t>
+            </a:r>
+            <a:r>
+              <a:rPr lang="en-US" dirty="0"/>
+              <a:t>’ </a:t>
+            </a:r>
+          </a:p>
+          <a:p>
+            <a:r>
+              <a:rPr lang="en-US" dirty="0"/>
+              <a:t>Suggest the community is concern about PC hardware related topics</a:t>
+            </a:r>
+          </a:p>
+          <a:p>
+            <a:pPr marL="0" indent="0">
+              <a:buNone/>
+            </a:pPr>
+            <a:endParaRPr lang="en-US" sz="3600" dirty="0"/>
+          </a:p>
+        </p:txBody>
+      </p:sp>
+    </p:spTree>
+    <p:extLst>
+      <p:ext uri="{BB962C8B-B14F-4D97-AF65-F5344CB8AC3E}">
+        <p14:creationId xmlns:p14="http://schemas.microsoft.com/office/powerpoint/2010/main" val="134821726"/>
+      </p:ext>
+    </p:extLst>
+  </p:cSld>
+  <p:clrMapOvr>
+    <a:masterClrMapping/>
+  </p:clrMapOvr>
+</p:sld>
+</file>
+
+<file path=ppt/slides/slide12.xml><?xml version="1.0" encoding="utf-8"?>
+<p:sld xmlns:a="http://schemas.openxmlformats.org/drawingml/2006/main" xmlns:r="http://schemas.openxmlformats.org/officeDocument/2006/relationships" xmlns:p="http://schemas.openxmlformats.org/presentationml/2006/main">
+  <p:cSld>
+    <p:spTree>
+      <p:nvGrpSpPr>
+        <p:cNvPr id="1" name=""/>
+        <p:cNvGrpSpPr/>
+        <p:nvPr/>
+      </p:nvGrpSpPr>
+      <p:grpSpPr>
+        <a:xfrm>
+          <a:off x="0" y="0"/>
+          <a:ext cx="0" cy="0"/>
+          <a:chOff x="0" y="0"/>
+          <a:chExt cx="0" cy="0"/>
+        </a:xfrm>
+      </p:grpSpPr>
+      <p:sp>
+        <p:nvSpPr>
+          <p:cNvPr id="2" name="Title 1">
+            <a:extLst>
+              <a:ext uri="{FF2B5EF4-FFF2-40B4-BE49-F238E27FC236}">
                 <a16:creationId xmlns:a16="http://schemas.microsoft.com/office/drawing/2014/main" id="{E54A65B5-3492-495E-A783-ECB05F8C1ECA}"/>
               </a:ext>
             </a:extLst>
@@ -3920,6 +4275,111 @@
           <p:cNvPr id="2" name="Title 1">
             <a:extLst>
               <a:ext uri="{FF2B5EF4-FFF2-40B4-BE49-F238E27FC236}">
+                <a16:creationId xmlns:a16="http://schemas.microsoft.com/office/drawing/2014/main" id="{D856C7F0-4D7D-4FE7-8AD8-020750C120D1}"/>
+              </a:ext>
+            </a:extLst>
+          </p:cNvPr>
+          <p:cNvSpPr>
+            <a:spLocks noGrp="1"/>
+          </p:cNvSpPr>
+          <p:nvPr>
+            <p:ph type="title"/>
+          </p:nvPr>
+        </p:nvSpPr>
+        <p:spPr/>
+        <p:txBody>
+          <a:bodyPr/>
+          <a:lstStyle/>
+          <a:p>
+            <a:r>
+              <a:rPr lang="en-US" dirty="0"/>
+              <a:t>Who am I?</a:t>
+            </a:r>
+            <a:endParaRPr lang="en-SG" dirty="0"/>
+          </a:p>
+        </p:txBody>
+      </p:sp>
+      <p:sp>
+        <p:nvSpPr>
+          <p:cNvPr id="3" name="Content Placeholder 2">
+            <a:extLst>
+              <a:ext uri="{FF2B5EF4-FFF2-40B4-BE49-F238E27FC236}">
+                <a16:creationId xmlns:a16="http://schemas.microsoft.com/office/drawing/2014/main" id="{08A2EFAB-1503-4831-8CA7-73DD0432B125}"/>
+              </a:ext>
+            </a:extLst>
+          </p:cNvPr>
+          <p:cNvSpPr>
+            <a:spLocks noGrp="1"/>
+          </p:cNvSpPr>
+          <p:nvPr>
+            <p:ph idx="1"/>
+          </p:nvPr>
+        </p:nvSpPr>
+        <p:spPr/>
+        <p:txBody>
+          <a:bodyPr/>
+          <a:lstStyle/>
+          <a:p>
+            <a:r>
+              <a:rPr lang="en-US" dirty="0"/>
+              <a:t>Data Science start-up company pitching to Square </a:t>
+            </a:r>
+            <a:r>
+              <a:rPr lang="en-US" dirty="0" err="1"/>
+              <a:t>Enix</a:t>
+            </a:r>
+            <a:endParaRPr lang="en-US" dirty="0"/>
+          </a:p>
+          <a:p>
+            <a:r>
+              <a:rPr lang="en-US" dirty="0"/>
+              <a:t>Advocating on the use of data gathering from social media and data science products to understand the gaming community</a:t>
+            </a:r>
+          </a:p>
+          <a:p>
+            <a:r>
+              <a:rPr lang="en-US" dirty="0"/>
+              <a:t>Outcome and insights to be used for product analysis and future product development</a:t>
+            </a:r>
+            <a:endParaRPr lang="en-SG" dirty="0"/>
+          </a:p>
+        </p:txBody>
+      </p:sp>
+    </p:spTree>
+    <p:extLst>
+      <p:ext uri="{BB962C8B-B14F-4D97-AF65-F5344CB8AC3E}">
+        <p14:creationId xmlns:p14="http://schemas.microsoft.com/office/powerpoint/2010/main" val="1569136361"/>
+      </p:ext>
+    </p:extLst>
+  </p:cSld>
+  <p:clrMapOvr>
+    <a:masterClrMapping/>
+  </p:clrMapOvr>
+</p:sld>
+</file>
+
+<file path=ppt/slides/slide3.xml><?xml version="1.0" encoding="utf-8"?>
+<p:sld xmlns:a="http://schemas.openxmlformats.org/drawingml/2006/main" xmlns:r="http://schemas.openxmlformats.org/officeDocument/2006/relationships" xmlns:p="http://schemas.openxmlformats.org/presentationml/2006/main">
+  <p:cSld>
+    <p:spTree>
+      <p:nvGrpSpPr>
+        <p:cNvPr id="1" name=""/>
+        <p:cNvGrpSpPr/>
+        <p:nvPr/>
+      </p:nvGrpSpPr>
+      <p:grpSpPr>
+        <a:xfrm>
+          <a:off x="0" y="0"/>
+          <a:ext cx="0" cy="0"/>
+          <a:chOff x="0" y="0"/>
+          <a:chExt cx="0" cy="0"/>
+        </a:xfrm>
+      </p:grpSpPr>
+      <p:sp>
+        <p:nvSpPr>
+          <p:cNvPr id="2" name="Title 1">
+            <a:extLst>
+              <a:ext uri="{FF2B5EF4-FFF2-40B4-BE49-F238E27FC236}">
                 <a16:creationId xmlns:a16="http://schemas.microsoft.com/office/drawing/2014/main" id="{561A862B-5BD8-4EB3-BF87-1F8F775D85CA}"/>
               </a:ext>
             </a:extLst>
@@ -3967,15 +4427,7 @@
           <a:p>
             <a:r>
               <a:rPr lang="en-US" dirty="0"/>
-              <a:t>As the gaming population is getting younger, there is a need to explore the concept of gathering sentiments from the gamming </a:t>
-            </a:r>
-            <a:r>
-              <a:rPr lang="en-US" dirty="0" err="1"/>
-              <a:t>commnunity</a:t>
-            </a:r>
-            <a:r>
-              <a:rPr lang="en-US" dirty="0"/>
-              <a:t> through social media for product analysis and development</a:t>
+              <a:t>As the gaming population is getting younger, there is a need to explore the concept of gathering sentiments from the gamming community through social media for product analysis and development</a:t>
             </a:r>
           </a:p>
           <a:p>
@@ -4013,7 +4465,7 @@
 </p:sld>
 </file>
 
-<file path=ppt/slides/slide3.xml><?xml version="1.0" encoding="utf-8"?>
+<file path=ppt/slides/slide4.xml><?xml version="1.0" encoding="utf-8"?>
 <p:sld xmlns:a="http://schemas.openxmlformats.org/drawingml/2006/main" xmlns:r="http://schemas.openxmlformats.org/officeDocument/2006/relationships" xmlns:p="http://schemas.openxmlformats.org/presentationml/2006/main">
   <p:cSld>
     <p:spTree>
@@ -4185,7 +4637,7 @@
 </p:sld>
 </file>
 
-<file path=ppt/slides/slide4.xml><?xml version="1.0" encoding="utf-8"?>
+<file path=ppt/slides/slide5.xml><?xml version="1.0" encoding="utf-8"?>
 <p:sld xmlns:a="http://schemas.openxmlformats.org/drawingml/2006/main" xmlns:r="http://schemas.openxmlformats.org/officeDocument/2006/relationships" xmlns:p="http://schemas.openxmlformats.org/presentationml/2006/main">
   <p:cSld>
     <p:spTree>
@@ -4351,7 +4803,7 @@
 </p:sld>
 </file>
 
-<file path=ppt/slides/slide5.xml><?xml version="1.0" encoding="utf-8"?>
+<file path=ppt/slides/slide6.xml><?xml version="1.0" encoding="utf-8"?>
 <p:sld xmlns:a="http://schemas.openxmlformats.org/drawingml/2006/main" xmlns:r="http://schemas.openxmlformats.org/officeDocument/2006/relationships" xmlns:p="http://schemas.openxmlformats.org/presentationml/2006/main">
   <p:cSld>
     <p:spTree>
@@ -4368,45 +4820,12 @@
           <a:chExt cx="0" cy="0"/>
         </a:xfrm>
       </p:grpSpPr>
-      <p:sp>
-        <p:nvSpPr>
-          <p:cNvPr id="2" name="Title 1">
-            <a:extLst>
-              <a:ext uri="{FF2B5EF4-FFF2-40B4-BE49-F238E27FC236}">
-                <a16:creationId xmlns:a16="http://schemas.microsoft.com/office/drawing/2014/main" id="{5305CD0C-D92B-4B58-BB0B-62CC79E10902}"/>
-              </a:ext>
-            </a:extLst>
-          </p:cNvPr>
-          <p:cNvSpPr>
-            <a:spLocks noGrp="1"/>
-          </p:cNvSpPr>
-          <p:nvPr>
-            <p:ph type="title"/>
-          </p:nvPr>
-        </p:nvSpPr>
-        <p:spPr/>
-        <p:txBody>
-          <a:bodyPr/>
-          <a:lstStyle/>
-          <a:p>
-            <a:r>
-              <a:rPr lang="en-US" dirty="0"/>
-              <a:t>Reddit </a:t>
-            </a:r>
-            <a:r>
-              <a:rPr lang="en-US" dirty="0" err="1"/>
-              <a:t>WebAPI</a:t>
-            </a:r>
-            <a:endParaRPr lang="en-SG" dirty="0"/>
-          </a:p>
-        </p:txBody>
-      </p:sp>
       <p:pic>
         <p:nvPicPr>
-          <p:cNvPr id="3074" name="Picture 2">
-            <a:extLst>
-              <a:ext uri="{FF2B5EF4-FFF2-40B4-BE49-F238E27FC236}">
-                <a16:creationId xmlns:a16="http://schemas.microsoft.com/office/drawing/2014/main" id="{A3751702-69FE-4AEE-A021-CFE9F0BAAD62}"/>
+          <p:cNvPr id="1026" name="Picture 2">
+            <a:extLst>
+              <a:ext uri="{FF2B5EF4-FFF2-40B4-BE49-F238E27FC236}">
+                <a16:creationId xmlns:a16="http://schemas.microsoft.com/office/drawing/2014/main" id="{BC4B2AC9-301F-4474-B5E6-2FE662DC9A8A}"/>
               </a:ext>
             </a:extLst>
           </p:cNvPr>
@@ -4430,7 +4849,7 @@
         </p:blipFill>
         <p:spPr bwMode="auto">
           <a:xfrm>
-            <a:off x="2329973" y="1690688"/>
+            <a:off x="2347727" y="1660032"/>
             <a:ext cx="5934075" cy="4248150"/>
           </a:xfrm>
           <a:prstGeom prst="rect">
@@ -4450,6 +4869,39 @@
       </p:pic>
       <p:sp>
         <p:nvSpPr>
+          <p:cNvPr id="2" name="Title 1">
+            <a:extLst>
+              <a:ext uri="{FF2B5EF4-FFF2-40B4-BE49-F238E27FC236}">
+                <a16:creationId xmlns:a16="http://schemas.microsoft.com/office/drawing/2014/main" id="{5305CD0C-D92B-4B58-BB0B-62CC79E10902}"/>
+              </a:ext>
+            </a:extLst>
+          </p:cNvPr>
+          <p:cNvSpPr>
+            <a:spLocks noGrp="1"/>
+          </p:cNvSpPr>
+          <p:nvPr>
+            <p:ph type="title"/>
+          </p:nvPr>
+        </p:nvSpPr>
+        <p:spPr/>
+        <p:txBody>
+          <a:bodyPr/>
+          <a:lstStyle/>
+          <a:p>
+            <a:r>
+              <a:rPr lang="en-US" dirty="0"/>
+              <a:t>Reddit </a:t>
+            </a:r>
+            <a:r>
+              <a:rPr lang="en-US" dirty="0" err="1"/>
+              <a:t>WebAPI</a:t>
+            </a:r>
+            <a:endParaRPr lang="en-SG" dirty="0"/>
+          </a:p>
+        </p:txBody>
+      </p:sp>
+      <p:sp>
+        <p:nvSpPr>
           <p:cNvPr id="11" name="TextBox 10">
             <a:extLst>
               <a:ext uri="{FF2B5EF4-FFF2-40B4-BE49-F238E27FC236}">
@@ -4462,7 +4914,7 @@
         </p:nvSpPr>
         <p:spPr>
           <a:xfrm>
-            <a:off x="6096000" y="2157274"/>
+            <a:off x="6096000" y="2104006"/>
             <a:ext cx="652743" cy="369332"/>
           </a:xfrm>
           <a:prstGeom prst="rect">
@@ -4478,7 +4930,7 @@
           <a:p>
             <a:r>
               <a:rPr lang="en-US" dirty="0"/>
-              <a:t>1142</a:t>
+              <a:t>1969</a:t>
             </a:r>
             <a:endParaRPr lang="en-SG" dirty="0"/>
           </a:p>
@@ -4498,7 +4950,7 @@
         </p:nvSpPr>
         <p:spPr>
           <a:xfrm>
-            <a:off x="5271859" y="3786365"/>
+            <a:off x="5271859" y="3839633"/>
             <a:ext cx="535724" cy="369332"/>
           </a:xfrm>
           <a:prstGeom prst="rect">
@@ -4514,7 +4966,7 @@
           <a:p>
             <a:r>
               <a:rPr lang="en-US" dirty="0"/>
-              <a:t>634</a:t>
+              <a:t>977</a:t>
             </a:r>
             <a:endParaRPr lang="en-SG" dirty="0"/>
           </a:p>
@@ -4534,7 +4986,7 @@
         </p:nvSpPr>
         <p:spPr>
           <a:xfrm>
-            <a:off x="4358938" y="4155697"/>
+            <a:off x="4376694" y="3818342"/>
             <a:ext cx="535724" cy="369332"/>
           </a:xfrm>
           <a:prstGeom prst="rect">
@@ -4550,7 +5002,7 @@
           <a:p>
             <a:r>
               <a:rPr lang="en-US" dirty="0"/>
-              <a:t>508</a:t>
+              <a:t>992</a:t>
             </a:r>
             <a:endParaRPr lang="en-SG" dirty="0"/>
           </a:p>
@@ -4560,148 +5012,6 @@
     <p:extLst>
       <p:ext uri="{BB962C8B-B14F-4D97-AF65-F5344CB8AC3E}">
         <p14:creationId xmlns:p14="http://schemas.microsoft.com/office/powerpoint/2010/main" val="3269694119"/>
-      </p:ext>
-    </p:extLst>
-  </p:cSld>
-  <p:clrMapOvr>
-    <a:masterClrMapping/>
-  </p:clrMapOvr>
-</p:sld>
-</file>
-
-<file path=ppt/slides/slide6.xml><?xml version="1.0" encoding="utf-8"?>
-<p:sld xmlns:a="http://schemas.openxmlformats.org/drawingml/2006/main" xmlns:r="http://schemas.openxmlformats.org/officeDocument/2006/relationships" xmlns:p="http://schemas.openxmlformats.org/presentationml/2006/main">
-  <p:cSld>
-    <p:spTree>
-      <p:nvGrpSpPr>
-        <p:cNvPr id="1" name=""/>
-        <p:cNvGrpSpPr/>
-        <p:nvPr/>
-      </p:nvGrpSpPr>
-      <p:grpSpPr>
-        <a:xfrm>
-          <a:off x="0" y="0"/>
-          <a:ext cx="0" cy="0"/>
-          <a:chOff x="0" y="0"/>
-          <a:chExt cx="0" cy="0"/>
-        </a:xfrm>
-      </p:grpSpPr>
-      <p:sp>
-        <p:nvSpPr>
-          <p:cNvPr id="2" name="Title 1">
-            <a:extLst>
-              <a:ext uri="{FF2B5EF4-FFF2-40B4-BE49-F238E27FC236}">
-                <a16:creationId xmlns:a16="http://schemas.microsoft.com/office/drawing/2014/main" id="{5305CD0C-D92B-4B58-BB0B-62CC79E10902}"/>
-              </a:ext>
-            </a:extLst>
-          </p:cNvPr>
-          <p:cNvSpPr>
-            <a:spLocks noGrp="1"/>
-          </p:cNvSpPr>
-          <p:nvPr>
-            <p:ph type="title"/>
-          </p:nvPr>
-        </p:nvSpPr>
-        <p:spPr/>
-        <p:txBody>
-          <a:bodyPr/>
-          <a:lstStyle/>
-          <a:p>
-            <a:r>
-              <a:rPr lang="en-US" dirty="0"/>
-              <a:t>Naive Bayes</a:t>
-            </a:r>
-            <a:endParaRPr lang="en-SG" dirty="0"/>
-          </a:p>
-        </p:txBody>
-      </p:sp>
-      <p:sp>
-        <p:nvSpPr>
-          <p:cNvPr id="8" name="Content Placeholder 7">
-            <a:extLst>
-              <a:ext uri="{FF2B5EF4-FFF2-40B4-BE49-F238E27FC236}">
-                <a16:creationId xmlns:a16="http://schemas.microsoft.com/office/drawing/2014/main" id="{34D4ADD2-94CF-45E7-9C04-3AA2B8D4EAEB}"/>
-              </a:ext>
-            </a:extLst>
-          </p:cNvPr>
-          <p:cNvSpPr>
-            <a:spLocks noGrp="1"/>
-          </p:cNvSpPr>
-          <p:nvPr>
-            <p:ph idx="1"/>
-          </p:nvPr>
-        </p:nvSpPr>
-        <p:spPr/>
-        <p:txBody>
-          <a:bodyPr/>
-          <a:lstStyle/>
-          <a:p>
-            <a:r>
-              <a:rPr lang="en-US" dirty="0"/>
-              <a:t>Text Cleaning, Stemming</a:t>
-            </a:r>
-          </a:p>
-          <a:p>
-            <a:r>
-              <a:rPr lang="en-US" dirty="0"/>
-              <a:t>Count Vectorizer Pipeline Optimization</a:t>
-            </a:r>
-          </a:p>
-          <a:p>
-            <a:r>
-              <a:rPr lang="en-US" dirty="0"/>
-              <a:t>Baseline Score: 0.555</a:t>
-            </a:r>
-          </a:p>
-          <a:p>
-            <a:r>
-              <a:rPr lang="en-US" dirty="0"/>
-              <a:t>Training Score: 0.945</a:t>
-            </a:r>
-          </a:p>
-          <a:p>
-            <a:r>
-              <a:rPr lang="en-US" dirty="0"/>
-              <a:t>Test Score: 0.895</a:t>
-            </a:r>
-            <a:endParaRPr lang="en-SG" dirty="0"/>
-          </a:p>
-        </p:txBody>
-      </p:sp>
-      <p:pic>
-        <p:nvPicPr>
-          <p:cNvPr id="7" name="Picture 6">
-            <a:extLst>
-              <a:ext uri="{FF2B5EF4-FFF2-40B4-BE49-F238E27FC236}">
-                <a16:creationId xmlns:a16="http://schemas.microsoft.com/office/drawing/2014/main" id="{E9EB2DDD-9B8F-4B8A-9A96-95CC8C9D03F6}"/>
-              </a:ext>
-            </a:extLst>
-          </p:cNvPr>
-          <p:cNvPicPr>
-            <a:picLocks noChangeAspect="1"/>
-          </p:cNvPicPr>
-          <p:nvPr/>
-        </p:nvPicPr>
-        <p:blipFill>
-          <a:blip r:embed="rId2"/>
-          <a:stretch>
-            <a:fillRect/>
-          </a:stretch>
-        </p:blipFill>
-        <p:spPr>
-          <a:xfrm>
-            <a:off x="4606532" y="4039341"/>
-            <a:ext cx="5400000" cy="1184096"/>
-          </a:xfrm>
-          <a:prstGeom prst="rect">
-            <a:avLst/>
-          </a:prstGeom>
-        </p:spPr>
-      </p:pic>
-    </p:spTree>
-    <p:extLst>
-      <p:ext uri="{BB962C8B-B14F-4D97-AF65-F5344CB8AC3E}">
-        <p14:creationId xmlns:p14="http://schemas.microsoft.com/office/powerpoint/2010/main" val="671326820"/>
       </p:ext>
     </p:extLst>
   </p:cSld>
@@ -4733,7 +5043,7 @@
           <p:cNvPr id="2" name="Title 1">
             <a:extLst>
               <a:ext uri="{FF2B5EF4-FFF2-40B4-BE49-F238E27FC236}">
-                <a16:creationId xmlns:a16="http://schemas.microsoft.com/office/drawing/2014/main" id="{5305CD0C-D92B-4B58-BB0B-62CC79E10902}"/>
+                <a16:creationId xmlns:a16="http://schemas.microsoft.com/office/drawing/2014/main" id="{E14247C2-0371-41BF-A27D-E7641062A51B}"/>
               </a:ext>
             </a:extLst>
           </p:cNvPr>
@@ -4751,93 +5061,84 @@
           <a:p>
             <a:r>
               <a:rPr lang="en-US" dirty="0"/>
+              <a:t>Methodology</a:t>
+            </a:r>
+            <a:endParaRPr lang="en-SG" dirty="0"/>
+          </a:p>
+        </p:txBody>
+      </p:sp>
+      <p:sp>
+        <p:nvSpPr>
+          <p:cNvPr id="3" name="Content Placeholder 2">
+            <a:extLst>
+              <a:ext uri="{FF2B5EF4-FFF2-40B4-BE49-F238E27FC236}">
+                <a16:creationId xmlns:a16="http://schemas.microsoft.com/office/drawing/2014/main" id="{ECC49A03-7C3C-48AC-BDF4-BF3CFD861A18}"/>
+              </a:ext>
+            </a:extLst>
+          </p:cNvPr>
+          <p:cNvSpPr>
+            <a:spLocks noGrp="1"/>
+          </p:cNvSpPr>
+          <p:nvPr>
+            <p:ph idx="1"/>
+          </p:nvPr>
+        </p:nvSpPr>
+        <p:spPr/>
+        <p:txBody>
+          <a:bodyPr/>
+          <a:lstStyle/>
+          <a:p>
+            <a:r>
+              <a:rPr lang="en-US" dirty="0"/>
+              <a:t>Reddit API Data Gathering</a:t>
+            </a:r>
+          </a:p>
+          <a:p>
+            <a:r>
+              <a:rPr lang="en-US" dirty="0"/>
+              <a:t>Data Analysis and Cleaning</a:t>
+            </a:r>
+          </a:p>
+          <a:p>
+            <a:r>
+              <a:rPr lang="en-US" dirty="0"/>
+              <a:t>Data Optimization</a:t>
+            </a:r>
+          </a:p>
+          <a:p>
+            <a:r>
+              <a:rPr lang="en-US" dirty="0"/>
+              <a:t>Model Fitting and Evaluation</a:t>
+            </a:r>
+          </a:p>
+          <a:p>
+            <a:pPr lvl="1"/>
+            <a:r>
+              <a:rPr lang="en-US" dirty="0"/>
+              <a:t>Naive Bayes</a:t>
+            </a:r>
+          </a:p>
+          <a:p>
+            <a:pPr lvl="1"/>
+            <a:r>
+              <a:rPr lang="en-US" dirty="0"/>
               <a:t>Logistic Regression</a:t>
             </a:r>
+          </a:p>
+          <a:p>
+            <a:pPr lvl="1"/>
+            <a:r>
+              <a:rPr lang="en-US" dirty="0"/>
+              <a:t>Voting Classifier (Naive Bayes and Logistic Regression)</a:t>
+            </a:r>
             <a:endParaRPr lang="en-SG" dirty="0"/>
           </a:p>
         </p:txBody>
       </p:sp>
-      <p:sp>
-        <p:nvSpPr>
-          <p:cNvPr id="8" name="Content Placeholder 7">
-            <a:extLst>
-              <a:ext uri="{FF2B5EF4-FFF2-40B4-BE49-F238E27FC236}">
-                <a16:creationId xmlns:a16="http://schemas.microsoft.com/office/drawing/2014/main" id="{34D4ADD2-94CF-45E7-9C04-3AA2B8D4EAEB}"/>
-              </a:ext>
-            </a:extLst>
-          </p:cNvPr>
-          <p:cNvSpPr>
-            <a:spLocks noGrp="1"/>
-          </p:cNvSpPr>
-          <p:nvPr>
-            <p:ph idx="1"/>
-          </p:nvPr>
-        </p:nvSpPr>
-        <p:spPr/>
-        <p:txBody>
-          <a:bodyPr/>
-          <a:lstStyle/>
-          <a:p>
-            <a:r>
-              <a:rPr lang="en-US" dirty="0"/>
-              <a:t>Text Cleaning, Stemming</a:t>
-            </a:r>
-          </a:p>
-          <a:p>
-            <a:r>
-              <a:rPr lang="en-US" dirty="0"/>
-              <a:t>Baseline Score: 0.555</a:t>
-            </a:r>
-          </a:p>
-          <a:p>
-            <a:r>
-              <a:rPr lang="en-US" dirty="0"/>
-              <a:t>Training Score: 0.99</a:t>
-            </a:r>
-          </a:p>
-          <a:p>
-            <a:r>
-              <a:rPr lang="en-US" dirty="0"/>
-              <a:t>Test Score: 0.881</a:t>
-            </a:r>
-            <a:endParaRPr lang="en-SG" dirty="0"/>
-          </a:p>
-        </p:txBody>
-      </p:sp>
-      <p:pic>
-        <p:nvPicPr>
-          <p:cNvPr id="3" name="Picture 2">
-            <a:extLst>
-              <a:ext uri="{FF2B5EF4-FFF2-40B4-BE49-F238E27FC236}">
-                <a16:creationId xmlns:a16="http://schemas.microsoft.com/office/drawing/2014/main" id="{FCD9E408-AC41-4C2D-9E93-6376CC482793}"/>
-              </a:ext>
-            </a:extLst>
-          </p:cNvPr>
-          <p:cNvPicPr>
-            <a:picLocks noChangeAspect="1"/>
-          </p:cNvPicPr>
-          <p:nvPr/>
-        </p:nvPicPr>
-        <p:blipFill>
-          <a:blip r:embed="rId2"/>
-          <a:stretch>
-            <a:fillRect/>
-          </a:stretch>
-        </p:blipFill>
-        <p:spPr>
-          <a:xfrm>
-            <a:off x="4622122" y="3827941"/>
-            <a:ext cx="5400000" cy="1100979"/>
-          </a:xfrm>
-          <a:prstGeom prst="rect">
-            <a:avLst/>
-          </a:prstGeom>
-        </p:spPr>
-      </p:pic>
     </p:spTree>
     <p:extLst>
       <p:ext uri="{BB962C8B-B14F-4D97-AF65-F5344CB8AC3E}">
-        <p14:creationId xmlns:p14="http://schemas.microsoft.com/office/powerpoint/2010/main" val="3831032570"/>
+        <p14:creationId xmlns:p14="http://schemas.microsoft.com/office/powerpoint/2010/main" val="1848915701"/>
       </p:ext>
     </p:extLst>
   </p:cSld>
@@ -4887,7 +5188,7 @@
           <a:p>
             <a:r>
               <a:rPr lang="en-US" dirty="0"/>
-              <a:t>Voting Classifier</a:t>
+              <a:t>Naive Bayes</a:t>
             </a:r>
             <a:endParaRPr lang="en-SG" dirty="0"/>
           </a:p>
@@ -4916,7 +5217,7 @@
           <a:p>
             <a:r>
               <a:rPr lang="en-US" dirty="0"/>
-              <a:t>Naive Bayes and Logistic Regression</a:t>
+              <a:t>Text Cleaning, Stemming</a:t>
             </a:r>
           </a:p>
           <a:p>
@@ -4928,25 +5229,19 @@
           <a:p>
             <a:r>
               <a:rPr lang="en-US" dirty="0"/>
-              <a:t>Text Cleaning, Stemming</a:t>
-            </a:r>
-          </a:p>
-          <a:p>
-            <a:r>
-              <a:rPr lang="en-US" dirty="0"/>
-              <a:t>Baseline Score: 0.555</a:t>
-            </a:r>
-          </a:p>
-          <a:p>
-            <a:r>
-              <a:rPr lang="en-US" dirty="0"/>
-              <a:t>Training Score: 0.954</a:t>
-            </a:r>
-          </a:p>
-          <a:p>
-            <a:r>
-              <a:rPr lang="en-US" dirty="0"/>
-              <a:t>Test Score: 0.888</a:t>
+              <a:t>Baseline Score: 0.503</a:t>
+            </a:r>
+          </a:p>
+          <a:p>
+            <a:r>
+              <a:rPr lang="en-US" dirty="0"/>
+              <a:t>Training Score: 0.952</a:t>
+            </a:r>
+          </a:p>
+          <a:p>
+            <a:r>
+              <a:rPr lang="en-US" dirty="0"/>
+              <a:t>Test Score: 0.882</a:t>
             </a:r>
             <a:endParaRPr lang="en-SG" dirty="0"/>
           </a:p>
@@ -4954,10 +5249,10 @@
       </p:sp>
       <p:pic>
         <p:nvPicPr>
-          <p:cNvPr id="6" name="Picture 5">
-            <a:extLst>
-              <a:ext uri="{FF2B5EF4-FFF2-40B4-BE49-F238E27FC236}">
-                <a16:creationId xmlns:a16="http://schemas.microsoft.com/office/drawing/2014/main" id="{09EECCA6-2665-4331-92E4-20AE85A6E229}"/>
+          <p:cNvPr id="3" name="Picture 2">
+            <a:extLst>
+              <a:ext uri="{FF2B5EF4-FFF2-40B4-BE49-F238E27FC236}">
+                <a16:creationId xmlns:a16="http://schemas.microsoft.com/office/drawing/2014/main" id="{D356D6D7-0630-45A7-AAFF-59F8F2DCB309}"/>
               </a:ext>
             </a:extLst>
           </p:cNvPr>
@@ -4974,8 +5269,8 @@
         </p:blipFill>
         <p:spPr>
           <a:xfrm>
-            <a:off x="4516886" y="4296493"/>
-            <a:ext cx="5400000" cy="1191169"/>
+            <a:off x="5203519" y="3243771"/>
+            <a:ext cx="5400000" cy="1343662"/>
           </a:xfrm>
           <a:prstGeom prst="rect">
             <a:avLst/>
@@ -4985,7 +5280,7 @@
     </p:spTree>
     <p:extLst>
       <p:ext uri="{BB962C8B-B14F-4D97-AF65-F5344CB8AC3E}">
-        <p14:creationId xmlns:p14="http://schemas.microsoft.com/office/powerpoint/2010/main" val="1382778506"/>
+        <p14:creationId xmlns:p14="http://schemas.microsoft.com/office/powerpoint/2010/main" val="671326820"/>
       </p:ext>
     </p:extLst>
   </p:cSld>
@@ -5017,7 +5312,7 @@
           <p:cNvPr id="2" name="Title 1">
             <a:extLst>
               <a:ext uri="{FF2B5EF4-FFF2-40B4-BE49-F238E27FC236}">
-                <a16:creationId xmlns:a16="http://schemas.microsoft.com/office/drawing/2014/main" id="{FEFAF810-A849-49AD-BB27-A0712189196F}"/>
+                <a16:creationId xmlns:a16="http://schemas.microsoft.com/office/drawing/2014/main" id="{5305CD0C-D92B-4B58-BB0B-62CC79E10902}"/>
               </a:ext>
             </a:extLst>
           </p:cNvPr>
@@ -5035,15 +5330,7 @@
           <a:p>
             <a:r>
               <a:rPr lang="en-US" dirty="0"/>
-              <a:t>Top </a:t>
-            </a:r>
-            <a:r>
-              <a:rPr lang="en-SG" dirty="0"/>
-              <a:t>Naive Bayes </a:t>
-            </a:r>
-            <a:r>
-              <a:rPr lang="en-US" dirty="0"/>
-              <a:t>Features</a:t>
+              <a:t>Logistic Regression</a:t>
             </a:r>
             <a:endParaRPr lang="en-SG" dirty="0"/>
           </a:p>
@@ -5051,10 +5338,10 @@
       </p:sp>
       <p:sp>
         <p:nvSpPr>
-          <p:cNvPr id="3" name="Content Placeholder 2">
-            <a:extLst>
-              <a:ext uri="{FF2B5EF4-FFF2-40B4-BE49-F238E27FC236}">
-                <a16:creationId xmlns:a16="http://schemas.microsoft.com/office/drawing/2014/main" id="{4564DF95-6369-4BCE-8F74-B1B046681A37}"/>
+          <p:cNvPr id="8" name="Content Placeholder 7">
+            <a:extLst>
+              <a:ext uri="{FF2B5EF4-FFF2-40B4-BE49-F238E27FC236}">
+                <a16:creationId xmlns:a16="http://schemas.microsoft.com/office/drawing/2014/main" id="{34D4ADD2-94CF-45E7-9C04-3AA2B8D4EAEB}"/>
               </a:ext>
             </a:extLst>
           </p:cNvPr>
@@ -5067,118 +5354,81 @@
         </p:nvSpPr>
         <p:spPr/>
         <p:txBody>
-          <a:bodyPr>
-            <a:normAutofit/>
-          </a:bodyPr>
-          <a:lstStyle/>
-          <a:p>
-            <a:pPr marL="0" indent="0">
-              <a:buNone/>
-            </a:pPr>
-            <a:r>
-              <a:rPr lang="en-US" sz="3600" dirty="0"/>
-              <a:t>FFVII Remake</a:t>
-            </a:r>
-          </a:p>
-          <a:p>
-            <a:r>
-              <a:rPr lang="en-US" u="sng" dirty="0"/>
-              <a:t>Features</a:t>
-            </a:r>
-            <a:r>
-              <a:rPr lang="en-US" dirty="0"/>
-              <a:t>. ‘</a:t>
-            </a:r>
-            <a:r>
-              <a:rPr lang="en-US" dirty="0" err="1"/>
-              <a:t>headquart</a:t>
-            </a:r>
-            <a:r>
-              <a:rPr lang="en-US" dirty="0"/>
-              <a:t>’, ‘</a:t>
-            </a:r>
-            <a:r>
-              <a:rPr lang="en-US" dirty="0" err="1"/>
-              <a:t>highwind</a:t>
-            </a:r>
-            <a:r>
-              <a:rPr lang="en-US" dirty="0"/>
-              <a:t>’ , ’</a:t>
-            </a:r>
-            <a:r>
-              <a:rPr lang="en-US" dirty="0" err="1"/>
-              <a:t>hojo</a:t>
-            </a:r>
-            <a:r>
-              <a:rPr lang="en-US" dirty="0"/>
-              <a:t>’, ‘forest’, ‘forgotten’</a:t>
-            </a:r>
-          </a:p>
-          <a:p>
-            <a:r>
-              <a:rPr lang="en-US" dirty="0"/>
-              <a:t>Suggest the community is ready and keen to interact with end-game content (Part 2 onwards)</a:t>
-            </a:r>
-          </a:p>
-          <a:p>
-            <a:pPr marL="0" indent="0">
-              <a:buNone/>
-            </a:pPr>
-            <a:endParaRPr lang="en-US" dirty="0"/>
-          </a:p>
-          <a:p>
-            <a:pPr marL="0" indent="0">
-              <a:buNone/>
-            </a:pPr>
-            <a:r>
-              <a:rPr lang="en-US" sz="3600" dirty="0"/>
-              <a:t>FFXV</a:t>
-            </a:r>
-          </a:p>
-          <a:p>
-            <a:r>
-              <a:rPr lang="en-US" u="sng" dirty="0"/>
-              <a:t>Features</a:t>
-            </a:r>
-            <a:r>
-              <a:rPr lang="en-US" dirty="0"/>
-              <a:t>. ‘</a:t>
-            </a:r>
-            <a:r>
-              <a:rPr lang="en-US" dirty="0" err="1"/>
-              <a:t>ryzen</a:t>
-            </a:r>
-            <a:r>
-              <a:rPr lang="en-US" dirty="0"/>
-              <a:t>’, ‘intel’, ‘</a:t>
-            </a:r>
-            <a:r>
-              <a:rPr lang="en-US" dirty="0" err="1"/>
-              <a:t>rtx</a:t>
-            </a:r>
-            <a:r>
-              <a:rPr lang="en-US" dirty="0"/>
-              <a:t>’ </a:t>
-            </a:r>
-          </a:p>
-          <a:p>
-            <a:r>
-              <a:rPr lang="en-US" dirty="0"/>
-              <a:t>Suggest the community is concern about PC hardware related topics</a:t>
-            </a:r>
-          </a:p>
-          <a:p>
-            <a:pPr marL="0" indent="0">
-              <a:buNone/>
-            </a:pPr>
-            <a:endParaRPr lang="en-US" sz="3600" dirty="0"/>
-          </a:p>
-        </p:txBody>
-      </p:sp>
+          <a:bodyPr/>
+          <a:lstStyle/>
+          <a:p>
+            <a:r>
+              <a:rPr lang="en-US" dirty="0"/>
+              <a:t>Text Cleaning, Stemming</a:t>
+            </a:r>
+          </a:p>
+          <a:p>
+            <a:r>
+              <a:rPr lang="en-US" dirty="0"/>
+              <a:t>Baseline Score: 0.503</a:t>
+            </a:r>
+          </a:p>
+          <a:p>
+            <a:r>
+              <a:rPr lang="en-US" dirty="0"/>
+              <a:t>Training Score: 0.991</a:t>
+            </a:r>
+          </a:p>
+          <a:p>
+            <a:r>
+              <a:rPr lang="en-US" dirty="0"/>
+              <a:t>Test Score: 0.878</a:t>
+            </a:r>
+          </a:p>
+          <a:p>
+            <a:r>
+              <a:rPr lang="en-US" dirty="0"/>
+              <a:t>Comparable performance</a:t>
+            </a:r>
+          </a:p>
+          <a:p>
+            <a:r>
+              <a:rPr lang="en-US" dirty="0"/>
+              <a:t>Better FFVII Remake Predictions</a:t>
+            </a:r>
+            <a:endParaRPr lang="en-SG" dirty="0"/>
+          </a:p>
+        </p:txBody>
+      </p:sp>
+      <p:pic>
+        <p:nvPicPr>
+          <p:cNvPr id="5" name="Picture 4">
+            <a:extLst>
+              <a:ext uri="{FF2B5EF4-FFF2-40B4-BE49-F238E27FC236}">
+                <a16:creationId xmlns:a16="http://schemas.microsoft.com/office/drawing/2014/main" id="{40829051-ED84-4FE7-B989-79F279970834}"/>
+              </a:ext>
+            </a:extLst>
+          </p:cNvPr>
+          <p:cNvPicPr>
+            <a:picLocks noChangeAspect="1"/>
+          </p:cNvPicPr>
+          <p:nvPr/>
+        </p:nvPicPr>
+        <p:blipFill>
+          <a:blip r:embed="rId2"/>
+          <a:stretch>
+            <a:fillRect/>
+          </a:stretch>
+        </p:blipFill>
+        <p:spPr>
+          <a:xfrm>
+            <a:off x="5584609" y="2453425"/>
+            <a:ext cx="5400000" cy="1173364"/>
+          </a:xfrm>
+          <a:prstGeom prst="rect">
+            <a:avLst/>
+          </a:prstGeom>
+        </p:spPr>
+      </p:pic>
     </p:spTree>
     <p:extLst>
       <p:ext uri="{BB962C8B-B14F-4D97-AF65-F5344CB8AC3E}">
-        <p14:creationId xmlns:p14="http://schemas.microsoft.com/office/powerpoint/2010/main" val="134821726"/>
+        <p14:creationId xmlns:p14="http://schemas.microsoft.com/office/powerpoint/2010/main" val="3831032570"/>
       </p:ext>
     </p:extLst>
   </p:cSld>
